--- a/BASE..pptx
+++ b/BASE..pptx
@@ -104,6 +104,11 @@
       </a:defRPr>
     </a:lvl9pPr>
   </p:defaultTextStyle>
+  <p:extLst>
+    <p:ext uri="{EFAFB233-063F-42B5-8137-9DF3F51BA10A}">
+      <p15:sldGuideLst xmlns:p15="http://schemas.microsoft.com/office/powerpoint/2012/main"/>
+    </p:ext>
+  </p:extLst>
 </p:presentation>
 </file>
 
@@ -238,7 +243,7 @@
           <a:p>
             <a:fld id="{7E8C05AC-0597-44AF-9D81-C96814BCA697}" type="datetimeFigureOut">
               <a:rPr lang="es-CL" smtClean="0"/>
-              <a:t>03-10-2025</a:t>
+              <a:t>05-10-2025</a:t>
             </a:fld>
             <a:endParaRPr lang="es-CL"/>
           </a:p>
@@ -408,7 +413,7 @@
           <a:p>
             <a:fld id="{7E8C05AC-0597-44AF-9D81-C96814BCA697}" type="datetimeFigureOut">
               <a:rPr lang="es-CL" smtClean="0"/>
-              <a:t>03-10-2025</a:t>
+              <a:t>05-10-2025</a:t>
             </a:fld>
             <a:endParaRPr lang="es-CL"/>
           </a:p>
@@ -588,7 +593,7 @@
           <a:p>
             <a:fld id="{7E8C05AC-0597-44AF-9D81-C96814BCA697}" type="datetimeFigureOut">
               <a:rPr lang="es-CL" smtClean="0"/>
-              <a:t>03-10-2025</a:t>
+              <a:t>05-10-2025</a:t>
             </a:fld>
             <a:endParaRPr lang="es-CL"/>
           </a:p>
@@ -758,7 +763,7 @@
           <a:p>
             <a:fld id="{7E8C05AC-0597-44AF-9D81-C96814BCA697}" type="datetimeFigureOut">
               <a:rPr lang="es-CL" smtClean="0"/>
-              <a:t>03-10-2025</a:t>
+              <a:t>05-10-2025</a:t>
             </a:fld>
             <a:endParaRPr lang="es-CL"/>
           </a:p>
@@ -1004,7 +1009,7 @@
           <a:p>
             <a:fld id="{7E8C05AC-0597-44AF-9D81-C96814BCA697}" type="datetimeFigureOut">
               <a:rPr lang="es-CL" smtClean="0"/>
-              <a:t>03-10-2025</a:t>
+              <a:t>05-10-2025</a:t>
             </a:fld>
             <a:endParaRPr lang="es-CL"/>
           </a:p>
@@ -1236,7 +1241,7 @@
           <a:p>
             <a:fld id="{7E8C05AC-0597-44AF-9D81-C96814BCA697}" type="datetimeFigureOut">
               <a:rPr lang="es-CL" smtClean="0"/>
-              <a:t>03-10-2025</a:t>
+              <a:t>05-10-2025</a:t>
             </a:fld>
             <a:endParaRPr lang="es-CL"/>
           </a:p>
@@ -1603,7 +1608,7 @@
           <a:p>
             <a:fld id="{7E8C05AC-0597-44AF-9D81-C96814BCA697}" type="datetimeFigureOut">
               <a:rPr lang="es-CL" smtClean="0"/>
-              <a:t>03-10-2025</a:t>
+              <a:t>05-10-2025</a:t>
             </a:fld>
             <a:endParaRPr lang="es-CL"/>
           </a:p>
@@ -1721,7 +1726,7 @@
           <a:p>
             <a:fld id="{7E8C05AC-0597-44AF-9D81-C96814BCA697}" type="datetimeFigureOut">
               <a:rPr lang="es-CL" smtClean="0"/>
-              <a:t>03-10-2025</a:t>
+              <a:t>05-10-2025</a:t>
             </a:fld>
             <a:endParaRPr lang="es-CL"/>
           </a:p>
@@ -1816,7 +1821,7 @@
           <a:p>
             <a:fld id="{7E8C05AC-0597-44AF-9D81-C96814BCA697}" type="datetimeFigureOut">
               <a:rPr lang="es-CL" smtClean="0"/>
-              <a:t>03-10-2025</a:t>
+              <a:t>05-10-2025</a:t>
             </a:fld>
             <a:endParaRPr lang="es-CL"/>
           </a:p>
@@ -2093,7 +2098,7 @@
           <a:p>
             <a:fld id="{7E8C05AC-0597-44AF-9D81-C96814BCA697}" type="datetimeFigureOut">
               <a:rPr lang="es-CL" smtClean="0"/>
-              <a:t>03-10-2025</a:t>
+              <a:t>05-10-2025</a:t>
             </a:fld>
             <a:endParaRPr lang="es-CL"/>
           </a:p>
@@ -2350,7 +2355,7 @@
           <a:p>
             <a:fld id="{7E8C05AC-0597-44AF-9D81-C96814BCA697}" type="datetimeFigureOut">
               <a:rPr lang="es-CL" smtClean="0"/>
-              <a:t>03-10-2025</a:t>
+              <a:t>05-10-2025</a:t>
             </a:fld>
             <a:endParaRPr lang="es-CL"/>
           </a:p>
@@ -2563,7 +2568,7 @@
           <a:p>
             <a:fld id="{7E8C05AC-0597-44AF-9D81-C96814BCA697}" type="datetimeFigureOut">
               <a:rPr lang="es-CL" smtClean="0"/>
-              <a:t>03-10-2025</a:t>
+              <a:t>05-10-2025</a:t>
             </a:fld>
             <a:endParaRPr lang="es-CL"/>
           </a:p>
@@ -2970,10 +2975,10 @@
       </p:grpSpPr>
       <p:sp>
         <p:nvSpPr>
-          <p:cNvPr id="1041" name="Rectángulo: esquinas redondeadas 1040">
+          <p:cNvPr id="50" name="Rectángulo: esquinas redondeadas 49">
             <a:extLst>
               <a:ext uri="{FF2B5EF4-FFF2-40B4-BE49-F238E27FC236}">
-                <a16:creationId xmlns:a16="http://schemas.microsoft.com/office/drawing/2014/main" id="{D0AAECFF-FDED-4067-1C9B-3868C099492B}"/>
+                <a16:creationId xmlns:a16="http://schemas.microsoft.com/office/drawing/2014/main" id="{4939D230-1E8C-7037-F199-594C256452F7}"/>
               </a:ext>
             </a:extLst>
           </p:cNvPr>
@@ -2982,8 +2987,8 @@
         </p:nvSpPr>
         <p:spPr>
           <a:xfrm>
-            <a:off x="342900" y="5535284"/>
-            <a:ext cx="1411804" cy="1767471"/>
+            <a:off x="1744815" y="7279416"/>
+            <a:ext cx="1305377" cy="1767471"/>
           </a:xfrm>
           <a:prstGeom prst="roundRect">
             <a:avLst/>
@@ -3016,10 +3021,10 @@
       </p:sp>
       <p:sp>
         <p:nvSpPr>
-          <p:cNvPr id="1042" name="Rectángulo: esquinas redondeadas 1041">
+          <p:cNvPr id="51" name="Rectángulo: esquinas redondeadas 50">
             <a:extLst>
               <a:ext uri="{FF2B5EF4-FFF2-40B4-BE49-F238E27FC236}">
-                <a16:creationId xmlns:a16="http://schemas.microsoft.com/office/drawing/2014/main" id="{30FE909A-9091-4AA3-1A2E-799CCB9A05E4}"/>
+                <a16:creationId xmlns:a16="http://schemas.microsoft.com/office/drawing/2014/main" id="{151ADCDB-E586-EE4E-FC54-0AD7D9F2F2D8}"/>
               </a:ext>
             </a:extLst>
           </p:cNvPr>
@@ -3028,8 +3033,8 @@
         </p:nvSpPr>
         <p:spPr>
           <a:xfrm>
-            <a:off x="1928359" y="5535284"/>
-            <a:ext cx="1411804" cy="1767471"/>
+            <a:off x="1744815" y="5449357"/>
+            <a:ext cx="1305377" cy="1767471"/>
           </a:xfrm>
           <a:prstGeom prst="roundRect">
             <a:avLst/>
@@ -3062,10 +3067,10 @@
       </p:sp>
       <p:sp>
         <p:nvSpPr>
-          <p:cNvPr id="1043" name="Rectángulo: esquinas redondeadas 1042">
+          <p:cNvPr id="52" name="Rectángulo: esquinas redondeadas 51">
             <a:extLst>
               <a:ext uri="{FF2B5EF4-FFF2-40B4-BE49-F238E27FC236}">
-                <a16:creationId xmlns:a16="http://schemas.microsoft.com/office/drawing/2014/main" id="{FF96F831-0EF7-45DB-24F1-BA57744E4314}"/>
+                <a16:creationId xmlns:a16="http://schemas.microsoft.com/office/drawing/2014/main" id="{8FAB43D0-DA81-EF3C-013B-0D1C1ED6CE43}"/>
               </a:ext>
             </a:extLst>
           </p:cNvPr>
@@ -3074,8 +3079,8 @@
         </p:nvSpPr>
         <p:spPr>
           <a:xfrm>
-            <a:off x="3489009" y="5535284"/>
-            <a:ext cx="1411804" cy="1767471"/>
+            <a:off x="3170040" y="7242786"/>
+            <a:ext cx="1305377" cy="1767471"/>
           </a:xfrm>
           <a:prstGeom prst="roundRect">
             <a:avLst/>
@@ -3108,10 +3113,10 @@
       </p:sp>
       <p:sp>
         <p:nvSpPr>
-          <p:cNvPr id="1044" name="Rectángulo: esquinas redondeadas 1043">
+          <p:cNvPr id="53" name="Rectángulo: esquinas redondeadas 52">
             <a:extLst>
               <a:ext uri="{FF2B5EF4-FFF2-40B4-BE49-F238E27FC236}">
-                <a16:creationId xmlns:a16="http://schemas.microsoft.com/office/drawing/2014/main" id="{9F6DA761-1E39-14F6-127B-366FBAB73A05}"/>
+                <a16:creationId xmlns:a16="http://schemas.microsoft.com/office/drawing/2014/main" id="{68999211-65BC-16E6-D8F3-89991B5E55F0}"/>
               </a:ext>
             </a:extLst>
           </p:cNvPr>
@@ -3120,8 +3125,8 @@
         </p:nvSpPr>
         <p:spPr>
           <a:xfrm>
-            <a:off x="5069959" y="5535284"/>
-            <a:ext cx="1411804" cy="1767471"/>
+            <a:off x="3170040" y="5412727"/>
+            <a:ext cx="1305377" cy="1767471"/>
           </a:xfrm>
           <a:prstGeom prst="roundRect">
             <a:avLst/>
@@ -3154,6 +3159,98 @@
       </p:sp>
       <p:sp>
         <p:nvSpPr>
+          <p:cNvPr id="36" name="Rectángulo: esquinas redondeadas 35">
+            <a:extLst>
+              <a:ext uri="{FF2B5EF4-FFF2-40B4-BE49-F238E27FC236}">
+                <a16:creationId xmlns:a16="http://schemas.microsoft.com/office/drawing/2014/main" id="{C13A7AB7-10F5-A293-4770-D10837F8779E}"/>
+              </a:ext>
+            </a:extLst>
+          </p:cNvPr>
+          <p:cNvSpPr/>
+          <p:nvPr/>
+        </p:nvSpPr>
+        <p:spPr>
+          <a:xfrm>
+            <a:off x="4595266" y="5449357"/>
+            <a:ext cx="2057430" cy="3597530"/>
+          </a:xfrm>
+          <a:prstGeom prst="roundRect">
+            <a:avLst/>
+          </a:prstGeom>
+        </p:spPr>
+        <p:style>
+          <a:lnRef idx="2">
+            <a:schemeClr val="accent1">
+              <a:shade val="15000"/>
+            </a:schemeClr>
+          </a:lnRef>
+          <a:fillRef idx="1">
+            <a:schemeClr val="accent1"/>
+          </a:fillRef>
+          <a:effectRef idx="0">
+            <a:schemeClr val="accent1"/>
+          </a:effectRef>
+          <a:fontRef idx="minor">
+            <a:schemeClr val="lt1"/>
+          </a:fontRef>
+        </p:style>
+        <p:txBody>
+          <a:bodyPr rtlCol="0" anchor="ctr"/>
+          <a:lstStyle/>
+          <a:p>
+            <a:pPr algn="ctr"/>
+            <a:endParaRPr lang="es-CL"/>
+          </a:p>
+        </p:txBody>
+      </p:sp>
+      <p:sp>
+        <p:nvSpPr>
+          <p:cNvPr id="1041" name="Rectángulo: esquinas redondeadas 1040">
+            <a:extLst>
+              <a:ext uri="{FF2B5EF4-FFF2-40B4-BE49-F238E27FC236}">
+                <a16:creationId xmlns:a16="http://schemas.microsoft.com/office/drawing/2014/main" id="{D0AAECFF-FDED-4067-1C9B-3868C099492B}"/>
+              </a:ext>
+            </a:extLst>
+          </p:cNvPr>
+          <p:cNvSpPr/>
+          <p:nvPr/>
+        </p:nvSpPr>
+        <p:spPr>
+          <a:xfrm>
+            <a:off x="342900" y="7279416"/>
+            <a:ext cx="1305377" cy="1767471"/>
+          </a:xfrm>
+          <a:prstGeom prst="roundRect">
+            <a:avLst/>
+          </a:prstGeom>
+        </p:spPr>
+        <p:style>
+          <a:lnRef idx="2">
+            <a:schemeClr val="accent1">
+              <a:shade val="15000"/>
+            </a:schemeClr>
+          </a:lnRef>
+          <a:fillRef idx="1">
+            <a:schemeClr val="accent1"/>
+          </a:fillRef>
+          <a:effectRef idx="0">
+            <a:schemeClr val="accent1"/>
+          </a:effectRef>
+          <a:fontRef idx="minor">
+            <a:schemeClr val="lt1"/>
+          </a:fontRef>
+        </p:style>
+        <p:txBody>
+          <a:bodyPr rtlCol="0" anchor="ctr"/>
+          <a:lstStyle/>
+          <a:p>
+            <a:pPr algn="ctr"/>
+            <a:endParaRPr lang="es-CL"/>
+          </a:p>
+        </p:txBody>
+      </p:sp>
+      <p:sp>
+        <p:nvSpPr>
           <p:cNvPr id="1045" name="CuadroTexto 1044">
             <a:extLst>
               <a:ext uri="{FF2B5EF4-FFF2-40B4-BE49-F238E27FC236}">
@@ -3166,7 +3263,7 @@
         </p:nvSpPr>
         <p:spPr>
           <a:xfrm rot="18677504">
-            <a:off x="493334" y="6234354"/>
+            <a:off x="5119072" y="6991905"/>
             <a:ext cx="1034257" cy="369332"/>
           </a:xfrm>
           <a:prstGeom prst="rect">
@@ -3202,7 +3299,7 @@
         </p:nvSpPr>
         <p:spPr>
           <a:xfrm rot="18677504">
-            <a:off x="3423835" y="6193581"/>
+            <a:off x="3013210" y="7928266"/>
             <a:ext cx="1488934" cy="369332"/>
           </a:xfrm>
           <a:prstGeom prst="rect">
@@ -3223,42 +3320,6 @@
             <a:r>
               <a:rPr lang="es-CL" dirty="0" err="1"/>
               <a:t>Potters</a:t>
-            </a:r>
-            <a:endParaRPr lang="es-CL" dirty="0"/>
-          </a:p>
-        </p:txBody>
-      </p:sp>
-      <p:sp>
-        <p:nvSpPr>
-          <p:cNvPr id="1048" name="CuadroTexto 1047">
-            <a:extLst>
-              <a:ext uri="{FF2B5EF4-FFF2-40B4-BE49-F238E27FC236}">
-                <a16:creationId xmlns:a16="http://schemas.microsoft.com/office/drawing/2014/main" id="{947077B4-FA68-83D6-DA8F-7B2916533B0A}"/>
-              </a:ext>
-            </a:extLst>
-          </p:cNvPr>
-          <p:cNvSpPr txBox="1"/>
-          <p:nvPr/>
-        </p:nvSpPr>
-        <p:spPr>
-          <a:xfrm rot="18677504">
-            <a:off x="5194721" y="6203350"/>
-            <a:ext cx="1130144" cy="349793"/>
-          </a:xfrm>
-          <a:prstGeom prst="rect">
-            <a:avLst/>
-          </a:prstGeom>
-          <a:noFill/>
-        </p:spPr>
-        <p:txBody>
-          <a:bodyPr wrap="none" rtlCol="0">
-            <a:spAutoFit/>
-          </a:bodyPr>
-          <a:lstStyle/>
-          <a:p>
-            <a:r>
-              <a:rPr lang="es-CL" dirty="0" err="1"/>
-              <a:t>Excusivos</a:t>
             </a:r>
             <a:endParaRPr lang="es-CL" dirty="0"/>
           </a:p>
@@ -3662,7 +3723,7 @@
         </p:nvGrpSpPr>
         <p:grpSpPr>
           <a:xfrm>
-            <a:off x="6208" y="8081833"/>
+            <a:off x="6208" y="9707432"/>
             <a:ext cx="6858000" cy="800104"/>
             <a:chOff x="0" y="2695571"/>
             <a:chExt cx="6896100" cy="800104"/>
@@ -3867,7 +3928,7 @@
         </p:nvSpPr>
         <p:spPr>
           <a:xfrm>
-            <a:off x="5162548" y="1943100"/>
+            <a:off x="4926882" y="3348533"/>
             <a:ext cx="657227" cy="257175"/>
           </a:xfrm>
           <a:prstGeom prst="flowChartTerminator">
@@ -3913,7 +3974,7 @@
         </p:nvSpPr>
         <p:spPr>
           <a:xfrm>
-            <a:off x="5905498" y="1943100"/>
+            <a:off x="5669832" y="3348533"/>
             <a:ext cx="657227" cy="257175"/>
           </a:xfrm>
           <a:prstGeom prst="flowChartTerminator">
@@ -3959,7 +4020,7 @@
         </p:nvSpPr>
         <p:spPr>
           <a:xfrm>
-            <a:off x="5162547" y="1585911"/>
+            <a:off x="4926881" y="2991344"/>
             <a:ext cx="1400178" cy="257175"/>
           </a:xfrm>
           <a:prstGeom prst="flowChartTerminator">
@@ -4151,7 +4212,7 @@
         </p:nvSpPr>
         <p:spPr>
           <a:xfrm>
-            <a:off x="3903872" y="1529832"/>
+            <a:off x="3668206" y="2935265"/>
             <a:ext cx="1252074" cy="369332"/>
           </a:xfrm>
           <a:prstGeom prst="rect">
@@ -4190,7 +4251,7 @@
         </p:nvSpPr>
         <p:spPr>
           <a:xfrm>
-            <a:off x="5092430" y="1881186"/>
+            <a:off x="4856764" y="3286619"/>
             <a:ext cx="797462" cy="369332"/>
           </a:xfrm>
           <a:prstGeom prst="rect">
@@ -4225,7 +4286,7 @@
         </p:nvSpPr>
         <p:spPr>
           <a:xfrm>
-            <a:off x="5873787" y="1889157"/>
+            <a:off x="5638121" y="3294590"/>
             <a:ext cx="720647" cy="369332"/>
           </a:xfrm>
           <a:prstGeom prst="rect">
@@ -4261,7 +4322,7 @@
         </p:nvSpPr>
         <p:spPr>
           <a:xfrm>
-            <a:off x="5455694" y="1519821"/>
+            <a:off x="5220028" y="2925254"/>
             <a:ext cx="832344" cy="369332"/>
           </a:xfrm>
           <a:prstGeom prst="rect">
@@ -4296,7 +4357,7 @@
         </p:nvSpPr>
         <p:spPr>
           <a:xfrm>
-            <a:off x="15201" y="7673453"/>
+            <a:off x="15201" y="9299052"/>
             <a:ext cx="756324" cy="369332"/>
           </a:xfrm>
           <a:prstGeom prst="rect">
@@ -4331,7 +4392,7 @@
         </p:nvSpPr>
         <p:spPr>
           <a:xfrm>
-            <a:off x="0" y="3253859"/>
+            <a:off x="0" y="4997991"/>
             <a:ext cx="1208857" cy="369332"/>
           </a:xfrm>
           <a:prstGeom prst="rect">
@@ -4366,8 +4427,8 @@
         </p:nvSpPr>
         <p:spPr>
           <a:xfrm>
-            <a:off x="342900" y="3705225"/>
-            <a:ext cx="1411804" cy="1767471"/>
+            <a:off x="342900" y="5449357"/>
+            <a:ext cx="1305377" cy="1767471"/>
           </a:xfrm>
           <a:prstGeom prst="roundRect">
             <a:avLst/>
@@ -4400,144 +4461,6 @@
       </p:sp>
       <p:sp>
         <p:nvSpPr>
-          <p:cNvPr id="34" name="Rectángulo: esquinas redondeadas 33">
-            <a:extLst>
-              <a:ext uri="{FF2B5EF4-FFF2-40B4-BE49-F238E27FC236}">
-                <a16:creationId xmlns:a16="http://schemas.microsoft.com/office/drawing/2014/main" id="{0F8CBAD5-F790-05A3-2B72-4CE272D1741F}"/>
-              </a:ext>
-            </a:extLst>
-          </p:cNvPr>
-          <p:cNvSpPr/>
-          <p:nvPr/>
-        </p:nvSpPr>
-        <p:spPr>
-          <a:xfrm>
-            <a:off x="1928359" y="3705225"/>
-            <a:ext cx="1411804" cy="1767471"/>
-          </a:xfrm>
-          <a:prstGeom prst="roundRect">
-            <a:avLst/>
-          </a:prstGeom>
-        </p:spPr>
-        <p:style>
-          <a:lnRef idx="2">
-            <a:schemeClr val="accent1">
-              <a:shade val="15000"/>
-            </a:schemeClr>
-          </a:lnRef>
-          <a:fillRef idx="1">
-            <a:schemeClr val="accent1"/>
-          </a:fillRef>
-          <a:effectRef idx="0">
-            <a:schemeClr val="accent1"/>
-          </a:effectRef>
-          <a:fontRef idx="minor">
-            <a:schemeClr val="lt1"/>
-          </a:fontRef>
-        </p:style>
-        <p:txBody>
-          <a:bodyPr rtlCol="0" anchor="ctr"/>
-          <a:lstStyle/>
-          <a:p>
-            <a:pPr algn="ctr"/>
-            <a:endParaRPr lang="es-CL"/>
-          </a:p>
-        </p:txBody>
-      </p:sp>
-      <p:sp>
-        <p:nvSpPr>
-          <p:cNvPr id="35" name="Rectángulo: esquinas redondeadas 34">
-            <a:extLst>
-              <a:ext uri="{FF2B5EF4-FFF2-40B4-BE49-F238E27FC236}">
-                <a16:creationId xmlns:a16="http://schemas.microsoft.com/office/drawing/2014/main" id="{648BB6DA-387F-93F0-F076-507637C58B37}"/>
-              </a:ext>
-            </a:extLst>
-          </p:cNvPr>
-          <p:cNvSpPr/>
-          <p:nvPr/>
-        </p:nvSpPr>
-        <p:spPr>
-          <a:xfrm>
-            <a:off x="3489009" y="3705225"/>
-            <a:ext cx="1411804" cy="1767471"/>
-          </a:xfrm>
-          <a:prstGeom prst="roundRect">
-            <a:avLst/>
-          </a:prstGeom>
-        </p:spPr>
-        <p:style>
-          <a:lnRef idx="2">
-            <a:schemeClr val="accent1">
-              <a:shade val="15000"/>
-            </a:schemeClr>
-          </a:lnRef>
-          <a:fillRef idx="1">
-            <a:schemeClr val="accent1"/>
-          </a:fillRef>
-          <a:effectRef idx="0">
-            <a:schemeClr val="accent1"/>
-          </a:effectRef>
-          <a:fontRef idx="minor">
-            <a:schemeClr val="lt1"/>
-          </a:fontRef>
-        </p:style>
-        <p:txBody>
-          <a:bodyPr rtlCol="0" anchor="ctr"/>
-          <a:lstStyle/>
-          <a:p>
-            <a:pPr algn="ctr"/>
-            <a:endParaRPr lang="es-CL"/>
-          </a:p>
-        </p:txBody>
-      </p:sp>
-      <p:sp>
-        <p:nvSpPr>
-          <p:cNvPr id="36" name="Rectángulo: esquinas redondeadas 35">
-            <a:extLst>
-              <a:ext uri="{FF2B5EF4-FFF2-40B4-BE49-F238E27FC236}">
-                <a16:creationId xmlns:a16="http://schemas.microsoft.com/office/drawing/2014/main" id="{C13A7AB7-10F5-A293-4770-D10837F8779E}"/>
-              </a:ext>
-            </a:extLst>
-          </p:cNvPr>
-          <p:cNvSpPr/>
-          <p:nvPr/>
-        </p:nvSpPr>
-        <p:spPr>
-          <a:xfrm>
-            <a:off x="5069959" y="3705225"/>
-            <a:ext cx="1411804" cy="1767471"/>
-          </a:xfrm>
-          <a:prstGeom prst="roundRect">
-            <a:avLst/>
-          </a:prstGeom>
-        </p:spPr>
-        <p:style>
-          <a:lnRef idx="2">
-            <a:schemeClr val="accent1">
-              <a:shade val="15000"/>
-            </a:schemeClr>
-          </a:lnRef>
-          <a:fillRef idx="1">
-            <a:schemeClr val="accent1"/>
-          </a:fillRef>
-          <a:effectRef idx="0">
-            <a:schemeClr val="accent1"/>
-          </a:effectRef>
-          <a:fontRef idx="minor">
-            <a:schemeClr val="lt1"/>
-          </a:fontRef>
-        </p:style>
-        <p:txBody>
-          <a:bodyPr rtlCol="0" anchor="ctr"/>
-          <a:lstStyle/>
-          <a:p>
-            <a:pPr algn="ctr"/>
-            <a:endParaRPr lang="es-CL"/>
-          </a:p>
-        </p:txBody>
-      </p:sp>
-      <p:sp>
-        <p:nvSpPr>
           <p:cNvPr id="37" name="CuadroTexto 36">
             <a:extLst>
               <a:ext uri="{FF2B5EF4-FFF2-40B4-BE49-F238E27FC236}">
@@ -4550,7 +4473,7 @@
         </p:nvSpPr>
         <p:spPr>
           <a:xfrm rot="18677504">
-            <a:off x="243058" y="4414064"/>
+            <a:off x="243058" y="6158196"/>
             <a:ext cx="1534807" cy="349793"/>
           </a:xfrm>
           <a:prstGeom prst="rect">
@@ -4585,7 +4508,7 @@
         </p:nvSpPr>
         <p:spPr>
           <a:xfrm rot="18677504">
-            <a:off x="2237498" y="4414065"/>
+            <a:off x="2050102" y="6246177"/>
             <a:ext cx="793525" cy="349793"/>
           </a:xfrm>
           <a:prstGeom prst="rect">
@@ -4620,7 +4543,7 @@
         </p:nvSpPr>
         <p:spPr>
           <a:xfrm rot="18677504">
-            <a:off x="2103509" y="6196709"/>
+            <a:off x="1934898" y="8037781"/>
             <a:ext cx="925209" cy="349793"/>
           </a:xfrm>
           <a:prstGeom prst="rect">
@@ -4655,7 +4578,7 @@
         </p:nvSpPr>
         <p:spPr>
           <a:xfrm rot="18677504">
-            <a:off x="5328554" y="4363521"/>
+            <a:off x="546101" y="7948191"/>
             <a:ext cx="862480" cy="369332"/>
           </a:xfrm>
           <a:prstGeom prst="rect">
@@ -4690,7 +4613,7 @@
         </p:nvGrpSpPr>
         <p:grpSpPr>
           <a:xfrm>
-            <a:off x="0" y="2295517"/>
+            <a:off x="0" y="4056579"/>
             <a:ext cx="6858000" cy="800104"/>
             <a:chOff x="0" y="2695571"/>
             <a:chExt cx="6896100" cy="800104"/>
@@ -4895,7 +4818,7 @@
         </p:nvSpPr>
         <p:spPr>
           <a:xfrm>
-            <a:off x="-31709" y="1863601"/>
+            <a:off x="-31709" y="3675462"/>
             <a:ext cx="1438279" cy="369332"/>
           </a:xfrm>
           <a:prstGeom prst="rect">
@@ -4930,7 +4853,7 @@
         </p:nvSpPr>
         <p:spPr>
           <a:xfrm>
-            <a:off x="5995469" y="9912874"/>
+            <a:off x="5995469" y="11589270"/>
             <a:ext cx="657227" cy="257175"/>
           </a:xfrm>
           <a:prstGeom prst="flowChartTerminator">
@@ -4976,7 +4899,7 @@
         </p:nvSpPr>
         <p:spPr>
           <a:xfrm>
-            <a:off x="5000624" y="9489010"/>
+            <a:off x="5000624" y="11165406"/>
             <a:ext cx="1652072" cy="257175"/>
           </a:xfrm>
           <a:prstGeom prst="flowChartTerminator">
@@ -5022,7 +4945,7 @@
         </p:nvSpPr>
         <p:spPr>
           <a:xfrm>
-            <a:off x="4937868" y="9129803"/>
+            <a:off x="4937868" y="10806199"/>
             <a:ext cx="1749349" cy="276999"/>
           </a:xfrm>
           <a:prstGeom prst="rect">
@@ -5057,7 +4980,7 @@
         </p:nvSpPr>
         <p:spPr>
           <a:xfrm>
-            <a:off x="5796200" y="9878950"/>
+            <a:off x="5796200" y="11555346"/>
             <a:ext cx="1031116" cy="369332"/>
           </a:xfrm>
           <a:prstGeom prst="rect">
@@ -5092,7 +5015,7 @@
         </p:nvSpPr>
         <p:spPr>
           <a:xfrm>
-            <a:off x="4937868" y="9432931"/>
+            <a:off x="4937868" y="11109327"/>
             <a:ext cx="1058367" cy="369332"/>
           </a:xfrm>
           <a:prstGeom prst="rect">
@@ -5131,7 +5054,7 @@
         </p:nvSpPr>
         <p:spPr>
           <a:xfrm>
-            <a:off x="107896" y="9148853"/>
+            <a:off x="107896" y="10825249"/>
             <a:ext cx="1490663" cy="1160400"/>
           </a:xfrm>
           <a:prstGeom prst="roundRect">
@@ -5177,7 +5100,7 @@
         </p:nvSpPr>
         <p:spPr>
           <a:xfrm rot="18677504">
-            <a:off x="197942" y="9544388"/>
+            <a:off x="197942" y="11220784"/>
             <a:ext cx="1116075" cy="369332"/>
           </a:xfrm>
           <a:prstGeom prst="rect">
@@ -5212,7 +5135,7 @@
         </p:nvSpPr>
         <p:spPr>
           <a:xfrm>
-            <a:off x="1714500" y="9141439"/>
+            <a:off x="1714500" y="10817835"/>
             <a:ext cx="1490663" cy="1160400"/>
           </a:xfrm>
           <a:prstGeom prst="roundRect">
@@ -5258,7 +5181,7 @@
         </p:nvSpPr>
         <p:spPr>
           <a:xfrm rot="18677504">
-            <a:off x="1805058" y="9536387"/>
+            <a:off x="1805058" y="11212783"/>
             <a:ext cx="1118768" cy="369332"/>
           </a:xfrm>
           <a:prstGeom prst="rect">
@@ -5293,7 +5216,7 @@
         </p:nvSpPr>
         <p:spPr>
           <a:xfrm>
-            <a:off x="3357562" y="9141439"/>
+            <a:off x="3357562" y="10817835"/>
             <a:ext cx="1490663" cy="1160400"/>
           </a:xfrm>
           <a:prstGeom prst="roundRect">
@@ -5339,7 +5262,7 @@
         </p:nvSpPr>
         <p:spPr>
           <a:xfrm rot="18677504">
-            <a:off x="3485772" y="9315792"/>
+            <a:off x="3485772" y="10992188"/>
             <a:ext cx="1094017" cy="646331"/>
           </a:xfrm>
           <a:prstGeom prst="rect">
@@ -5384,7 +5307,7 @@
         </p:nvSpPr>
         <p:spPr>
           <a:xfrm rot="18677504">
-            <a:off x="3570099" y="4342736"/>
+            <a:off x="3097313" y="6172933"/>
             <a:ext cx="1141787" cy="369332"/>
           </a:xfrm>
           <a:prstGeom prst="rect">
@@ -5445,6 +5368,249 @@
             <a:r>
               <a:rPr lang="es-CL" dirty="0"/>
               <a:t>Materia</a:t>
+            </a:r>
+          </a:p>
+        </p:txBody>
+      </p:sp>
+      <p:sp>
+        <p:nvSpPr>
+          <p:cNvPr id="2" name="Rectángulo: esquinas redondeadas 1">
+            <a:extLst>
+              <a:ext uri="{FF2B5EF4-FFF2-40B4-BE49-F238E27FC236}">
+                <a16:creationId xmlns:a16="http://schemas.microsoft.com/office/drawing/2014/main" id="{6729834E-146C-7AAC-CFF5-5306D7EA6437}"/>
+              </a:ext>
+            </a:extLst>
+          </p:cNvPr>
+          <p:cNvSpPr/>
+          <p:nvPr/>
+        </p:nvSpPr>
+        <p:spPr>
+          <a:xfrm>
+            <a:off x="152400" y="1077550"/>
+            <a:ext cx="3103608" cy="1503406"/>
+          </a:xfrm>
+          <a:prstGeom prst="roundRect">
+            <a:avLst/>
+          </a:prstGeom>
+        </p:spPr>
+        <p:style>
+          <a:lnRef idx="2">
+            <a:schemeClr val="accent1">
+              <a:shade val="15000"/>
+            </a:schemeClr>
+          </a:lnRef>
+          <a:fillRef idx="1">
+            <a:schemeClr val="accent1"/>
+          </a:fillRef>
+          <a:effectRef idx="0">
+            <a:schemeClr val="accent1"/>
+          </a:effectRef>
+          <a:fontRef idx="minor">
+            <a:schemeClr val="lt1"/>
+          </a:fontRef>
+        </p:style>
+        <p:txBody>
+          <a:bodyPr rtlCol="0" anchor="ctr"/>
+          <a:lstStyle/>
+          <a:p>
+            <a:pPr algn="ctr"/>
+            <a:endParaRPr lang="es-CL"/>
+          </a:p>
+        </p:txBody>
+      </p:sp>
+      <p:sp>
+        <p:nvSpPr>
+          <p:cNvPr id="3" name="Rectángulo: esquinas redondeadas 2">
+            <a:extLst>
+              <a:ext uri="{FF2B5EF4-FFF2-40B4-BE49-F238E27FC236}">
+                <a16:creationId xmlns:a16="http://schemas.microsoft.com/office/drawing/2014/main" id="{89260B3B-8216-4A31-A807-20F889462B04}"/>
+              </a:ext>
+            </a:extLst>
+          </p:cNvPr>
+          <p:cNvSpPr/>
+          <p:nvPr/>
+        </p:nvSpPr>
+        <p:spPr>
+          <a:xfrm>
+            <a:off x="136794" y="2722264"/>
+            <a:ext cx="3130932" cy="960993"/>
+          </a:xfrm>
+          <a:prstGeom prst="roundRect">
+            <a:avLst/>
+          </a:prstGeom>
+        </p:spPr>
+        <p:style>
+          <a:lnRef idx="2">
+            <a:schemeClr val="accent1">
+              <a:shade val="15000"/>
+            </a:schemeClr>
+          </a:lnRef>
+          <a:fillRef idx="1">
+            <a:schemeClr val="accent1"/>
+          </a:fillRef>
+          <a:effectRef idx="0">
+            <a:schemeClr val="accent1"/>
+          </a:effectRef>
+          <a:fontRef idx="minor">
+            <a:schemeClr val="lt1"/>
+          </a:fontRef>
+        </p:style>
+        <p:txBody>
+          <a:bodyPr rtlCol="0" anchor="ctr"/>
+          <a:lstStyle/>
+          <a:p>
+            <a:pPr algn="ctr"/>
+            <a:endParaRPr lang="es-CL"/>
+          </a:p>
+        </p:txBody>
+      </p:sp>
+      <p:sp>
+        <p:nvSpPr>
+          <p:cNvPr id="12" name="CuadroTexto 11">
+            <a:extLst>
+              <a:ext uri="{FF2B5EF4-FFF2-40B4-BE49-F238E27FC236}">
+                <a16:creationId xmlns:a16="http://schemas.microsoft.com/office/drawing/2014/main" id="{23E5D232-36E7-36FD-06BE-6EC1C61D38F2}"/>
+              </a:ext>
+            </a:extLst>
+          </p:cNvPr>
+          <p:cNvSpPr txBox="1"/>
+          <p:nvPr/>
+        </p:nvSpPr>
+        <p:spPr>
+          <a:xfrm rot="18677504">
+            <a:off x="991288" y="1749607"/>
+            <a:ext cx="1064779" cy="369332"/>
+          </a:xfrm>
+          <a:prstGeom prst="rect">
+            <a:avLst/>
+          </a:prstGeom>
+          <a:noFill/>
+        </p:spPr>
+        <p:txBody>
+          <a:bodyPr wrap="none" rtlCol="0">
+            <a:spAutoFit/>
+          </a:bodyPr>
+          <a:lstStyle/>
+          <a:p>
+            <a:r>
+              <a:rPr lang="es-CL" dirty="0"/>
+              <a:t>nosotros</a:t>
+            </a:r>
+          </a:p>
+        </p:txBody>
+      </p:sp>
+      <p:sp>
+        <p:nvSpPr>
+          <p:cNvPr id="23" name="CuadroTexto 22">
+            <a:extLst>
+              <a:ext uri="{FF2B5EF4-FFF2-40B4-BE49-F238E27FC236}">
+                <a16:creationId xmlns:a16="http://schemas.microsoft.com/office/drawing/2014/main" id="{664962F9-C8E1-E5A3-F2C1-2186357C2435}"/>
+              </a:ext>
+            </a:extLst>
+          </p:cNvPr>
+          <p:cNvSpPr txBox="1"/>
+          <p:nvPr/>
+        </p:nvSpPr>
+        <p:spPr>
+          <a:xfrm>
+            <a:off x="989025" y="3025601"/>
+            <a:ext cx="1233030" cy="369332"/>
+          </a:xfrm>
+          <a:prstGeom prst="rect">
+            <a:avLst/>
+          </a:prstGeom>
+          <a:noFill/>
+        </p:spPr>
+        <p:txBody>
+          <a:bodyPr wrap="none" rtlCol="0">
+            <a:spAutoFit/>
+          </a:bodyPr>
+          <a:lstStyle/>
+          <a:p>
+            <a:r>
+              <a:rPr lang="es-CL" dirty="0"/>
+              <a:t>Materiales</a:t>
+            </a:r>
+          </a:p>
+        </p:txBody>
+      </p:sp>
+      <p:sp>
+        <p:nvSpPr>
+          <p:cNvPr id="47" name="Rectángulo: esquinas redondeadas 46">
+            <a:extLst>
+              <a:ext uri="{FF2B5EF4-FFF2-40B4-BE49-F238E27FC236}">
+                <a16:creationId xmlns:a16="http://schemas.microsoft.com/office/drawing/2014/main" id="{C8E03543-D6E9-6364-7894-D2C115954690}"/>
+              </a:ext>
+            </a:extLst>
+          </p:cNvPr>
+          <p:cNvSpPr/>
+          <p:nvPr/>
+        </p:nvSpPr>
+        <p:spPr>
+          <a:xfrm>
+            <a:off x="3513885" y="1058790"/>
+            <a:ext cx="3103608" cy="1503406"/>
+          </a:xfrm>
+          <a:prstGeom prst="roundRect">
+            <a:avLst/>
+          </a:prstGeom>
+        </p:spPr>
+        <p:style>
+          <a:lnRef idx="2">
+            <a:schemeClr val="accent1">
+              <a:shade val="15000"/>
+            </a:schemeClr>
+          </a:lnRef>
+          <a:fillRef idx="1">
+            <a:schemeClr val="accent1"/>
+          </a:fillRef>
+          <a:effectRef idx="0">
+            <a:schemeClr val="accent1"/>
+          </a:effectRef>
+          <a:fontRef idx="minor">
+            <a:schemeClr val="lt1"/>
+          </a:fontRef>
+        </p:style>
+        <p:txBody>
+          <a:bodyPr rtlCol="0" anchor="ctr"/>
+          <a:lstStyle/>
+          <a:p>
+            <a:pPr algn="ctr"/>
+            <a:endParaRPr lang="es-CL"/>
+          </a:p>
+        </p:txBody>
+      </p:sp>
+      <p:sp>
+        <p:nvSpPr>
+          <p:cNvPr id="49" name="CuadroTexto 48">
+            <a:extLst>
+              <a:ext uri="{FF2B5EF4-FFF2-40B4-BE49-F238E27FC236}">
+                <a16:creationId xmlns:a16="http://schemas.microsoft.com/office/drawing/2014/main" id="{D4AE5EB4-654B-DB55-325F-BB3E928E4676}"/>
+              </a:ext>
+            </a:extLst>
+          </p:cNvPr>
+          <p:cNvSpPr txBox="1"/>
+          <p:nvPr/>
+        </p:nvSpPr>
+        <p:spPr>
+          <a:xfrm rot="18677504">
+            <a:off x="4495929" y="1564511"/>
+            <a:ext cx="721672" cy="369332"/>
+          </a:xfrm>
+          <a:prstGeom prst="rect">
+            <a:avLst/>
+          </a:prstGeom>
+          <a:noFill/>
+        </p:spPr>
+        <p:txBody>
+          <a:bodyPr wrap="none" rtlCol="0">
+            <a:spAutoFit/>
+          </a:bodyPr>
+          <a:lstStyle/>
+          <a:p>
+            <a:r>
+              <a:rPr lang="es-CL" dirty="0"/>
+              <a:t>video</a:t>
             </a:r>
           </a:p>
         </p:txBody>
